--- a/在你手中(崇拜版).pptx
+++ b/在你手中(崇拜版).pptx
@@ -112,6 +112,11 @@
       </a:defRPr>
     </a:lvl9pPr>
   </p:defaultTextStyle>
+  <p:extLst>
+    <p:ext uri="{EFAFB233-063F-42B5-8137-9DF3F51BA10A}">
+      <p15:sldGuideLst xmlns:p15="http://schemas.microsoft.com/office/powerpoint/2012/main"/>
+    </p:ext>
+  </p:extLst>
 </p:presentation>
 </file>
 
@@ -296,7 +301,7 @@
           <a:p>
             <a:fld id="{2D9B7FE6-3ED8-4A43-BCFB-5BDAAFD58BF9}" type="datetimeFigureOut">
               <a:rPr lang="vi-VN" smtClean="0"/>
-              <a:t>07/11/2020</a:t>
+              <a:t>01/10/2022</a:t>
             </a:fld>
             <a:endParaRPr lang="vi-VN"/>
           </a:p>
@@ -466,7 +471,7 @@
           <a:p>
             <a:fld id="{2D9B7FE6-3ED8-4A43-BCFB-5BDAAFD58BF9}" type="datetimeFigureOut">
               <a:rPr lang="vi-VN" smtClean="0"/>
-              <a:t>07/11/2020</a:t>
+              <a:t>01/10/2022</a:t>
             </a:fld>
             <a:endParaRPr lang="vi-VN"/>
           </a:p>
@@ -646,7 +651,7 @@
           <a:p>
             <a:fld id="{2D9B7FE6-3ED8-4A43-BCFB-5BDAAFD58BF9}" type="datetimeFigureOut">
               <a:rPr lang="vi-VN" smtClean="0"/>
-              <a:t>07/11/2020</a:t>
+              <a:t>01/10/2022</a:t>
             </a:fld>
             <a:endParaRPr lang="vi-VN"/>
           </a:p>
@@ -816,7 +821,7 @@
           <a:p>
             <a:fld id="{2D9B7FE6-3ED8-4A43-BCFB-5BDAAFD58BF9}" type="datetimeFigureOut">
               <a:rPr lang="vi-VN" smtClean="0"/>
-              <a:t>07/11/2020</a:t>
+              <a:t>01/10/2022</a:t>
             </a:fld>
             <a:endParaRPr lang="vi-VN"/>
           </a:p>
@@ -1062,7 +1067,7 @@
           <a:p>
             <a:fld id="{2D9B7FE6-3ED8-4A43-BCFB-5BDAAFD58BF9}" type="datetimeFigureOut">
               <a:rPr lang="vi-VN" smtClean="0"/>
-              <a:t>07/11/2020</a:t>
+              <a:t>01/10/2022</a:t>
             </a:fld>
             <a:endParaRPr lang="vi-VN"/>
           </a:p>
@@ -1350,7 +1355,7 @@
           <a:p>
             <a:fld id="{2D9B7FE6-3ED8-4A43-BCFB-5BDAAFD58BF9}" type="datetimeFigureOut">
               <a:rPr lang="vi-VN" smtClean="0"/>
-              <a:t>07/11/2020</a:t>
+              <a:t>01/10/2022</a:t>
             </a:fld>
             <a:endParaRPr lang="vi-VN"/>
           </a:p>
@@ -1772,7 +1777,7 @@
           <a:p>
             <a:fld id="{2D9B7FE6-3ED8-4A43-BCFB-5BDAAFD58BF9}" type="datetimeFigureOut">
               <a:rPr lang="vi-VN" smtClean="0"/>
-              <a:t>07/11/2020</a:t>
+              <a:t>01/10/2022</a:t>
             </a:fld>
             <a:endParaRPr lang="vi-VN"/>
           </a:p>
@@ -1890,7 +1895,7 @@
           <a:p>
             <a:fld id="{2D9B7FE6-3ED8-4A43-BCFB-5BDAAFD58BF9}" type="datetimeFigureOut">
               <a:rPr lang="vi-VN" smtClean="0"/>
-              <a:t>07/11/2020</a:t>
+              <a:t>01/10/2022</a:t>
             </a:fld>
             <a:endParaRPr lang="vi-VN"/>
           </a:p>
@@ -1985,7 +1990,7 @@
           <a:p>
             <a:fld id="{2D9B7FE6-3ED8-4A43-BCFB-5BDAAFD58BF9}" type="datetimeFigureOut">
               <a:rPr lang="vi-VN" smtClean="0"/>
-              <a:t>07/11/2020</a:t>
+              <a:t>01/10/2022</a:t>
             </a:fld>
             <a:endParaRPr lang="vi-VN"/>
           </a:p>
@@ -2262,7 +2267,7 @@
           <a:p>
             <a:fld id="{2D9B7FE6-3ED8-4A43-BCFB-5BDAAFD58BF9}" type="datetimeFigureOut">
               <a:rPr lang="vi-VN" smtClean="0"/>
-              <a:t>07/11/2020</a:t>
+              <a:t>01/10/2022</a:t>
             </a:fld>
             <a:endParaRPr lang="vi-VN"/>
           </a:p>
@@ -2519,7 +2524,7 @@
           <a:p>
             <a:fld id="{2D9B7FE6-3ED8-4A43-BCFB-5BDAAFD58BF9}" type="datetimeFigureOut">
               <a:rPr lang="vi-VN" smtClean="0"/>
-              <a:t>07/11/2020</a:t>
+              <a:t>01/10/2022</a:t>
             </a:fld>
             <a:endParaRPr lang="vi-VN"/>
           </a:p>
@@ -2737,7 +2742,7 @@
           <a:p>
             <a:fld id="{2D9B7FE6-3ED8-4A43-BCFB-5BDAAFD58BF9}" type="datetimeFigureOut">
               <a:rPr lang="vi-VN" smtClean="0"/>
-              <a:t>07/11/2020</a:t>
+              <a:t>01/10/2022</a:t>
             </a:fld>
             <a:endParaRPr lang="vi-VN"/>
           </a:p>
@@ -3149,58 +3154,7 @@
                 <a:latin typeface="微軟正黑體" pitchFamily="34" charset="-120"/>
                 <a:ea typeface="微軟正黑體" pitchFamily="34" charset="-120"/>
               </a:rPr>
-              <a:t>在</a:t>
-            </a:r>
-            <a:r>
-              <a:rPr lang="zh-CN" altLang="en-US" sz="7200" b="1" i="1" dirty="0">
-                <a:solidFill>
-                  <a:srgbClr val="660033"/>
-                </a:solidFill>
-                <a:effectLst>
-                  <a:outerShdw blurRad="38100" dist="38100" dir="2700000" algn="tl">
-                    <a:srgbClr val="000000">
-                      <a:alpha val="43137"/>
-                    </a:srgbClr>
-                  </a:outerShdw>
-                </a:effectLst>
-                <a:latin typeface="微軟正黑體" pitchFamily="34" charset="-120"/>
-                <a:ea typeface="微軟正黑體" pitchFamily="34" charset="-120"/>
-              </a:rPr>
-              <a:t>袮</a:t>
-            </a:r>
-            <a:r>
-              <a:rPr lang="zh-CN" altLang="en-US" sz="7200" b="1" i="1" dirty="0">
-                <a:solidFill>
-                  <a:srgbClr val="660033"/>
-                </a:solidFill>
-                <a:effectLst>
-                  <a:outerShdw blurRad="38100" dist="38100" dir="2700000" algn="tl">
-                    <a:srgbClr val="000000">
-                      <a:alpha val="43137"/>
-                    </a:srgbClr>
-                  </a:outerShdw>
-                </a:effectLst>
-                <a:latin typeface="微軟正黑體" pitchFamily="34" charset="-120"/>
-                <a:ea typeface="微軟正黑體" pitchFamily="34" charset="-120"/>
-              </a:rPr>
-              <a:t>手</a:t>
-            </a:r>
-            <a:r>
-              <a:rPr lang="zh-CN" altLang="en-US" sz="7200" b="1" i="1" dirty="0">
-                <a:solidFill>
-                  <a:srgbClr val="660033"/>
-                </a:solidFill>
-                <a:effectLst>
-                  <a:outerShdw blurRad="38100" dist="38100" dir="2700000" algn="tl">
-                    <a:srgbClr val="000000">
-                      <a:alpha val="43137"/>
-                    </a:srgbClr>
-                  </a:outerShdw>
-                </a:effectLst>
-                <a:latin typeface="微軟正黑體" pitchFamily="34" charset="-120"/>
-                <a:ea typeface="微軟正黑體" pitchFamily="34" charset="-120"/>
-              </a:rPr>
-              <a:t>中</a:t>
+              <a:t>在袮手中</a:t>
             </a:r>
             <a:endParaRPr lang="zh-TW" altLang="en-US" sz="7200" b="1" i="1" dirty="0">
               <a:solidFill>
@@ -3282,37 +3236,7 @@
                 <a:latin typeface="微軟正黑體" pitchFamily="34" charset="-120"/>
                 <a:ea typeface="微軟正黑體" pitchFamily="34" charset="-120"/>
               </a:rPr>
-              <a:t>耶和華我的</a:t>
-            </a:r>
-            <a:r>
-              <a:rPr lang="zh-TW" altLang="en-US" sz="6400" b="1" dirty="0">
-                <a:solidFill>
-                  <a:srgbClr val="660033"/>
-                </a:solidFill>
-                <a:latin typeface="微軟正黑體" pitchFamily="34" charset="-120"/>
-                <a:ea typeface="微軟正黑體" pitchFamily="34" charset="-120"/>
-              </a:rPr>
-              <a:t>神  祢是</a:t>
-            </a:r>
-            <a:r>
-              <a:rPr lang="zh-TW" altLang="en-US" sz="6400" b="1" dirty="0">
-                <a:solidFill>
-                  <a:srgbClr val="660033"/>
-                </a:solidFill>
-                <a:latin typeface="微軟正黑體" pitchFamily="34" charset="-120"/>
-                <a:ea typeface="微軟正黑體" pitchFamily="34" charset="-120"/>
-              </a:rPr>
-              <a:t>我的</a:t>
-            </a:r>
-            <a:r>
-              <a:rPr lang="zh-TW" altLang="en-US" sz="6400" b="1" dirty="0">
-                <a:solidFill>
-                  <a:srgbClr val="660033"/>
-                </a:solidFill>
-                <a:latin typeface="微軟正黑體" pitchFamily="34" charset="-120"/>
-                <a:ea typeface="微軟正黑體" pitchFamily="34" charset="-120"/>
-              </a:rPr>
-              <a:t>神</a:t>
+              <a:t>耶和華我的神  祢是我的神</a:t>
             </a:r>
             <a:endParaRPr lang="en-US" altLang="zh-TW" sz="6400" b="1" dirty="0">
               <a:solidFill>
@@ -3334,37 +3258,7 @@
                 <a:latin typeface="微軟正黑體" pitchFamily="34" charset="-120"/>
                 <a:ea typeface="微軟正黑體" pitchFamily="34" charset="-120"/>
               </a:rPr>
-              <a:t>我</a:t>
-            </a:r>
-            <a:r>
-              <a:rPr lang="zh-TW" altLang="en-US" sz="6400" b="1" dirty="0">
-                <a:solidFill>
-                  <a:srgbClr val="660033"/>
-                </a:solidFill>
-                <a:latin typeface="微軟正黑體" pitchFamily="34" charset="-120"/>
-                <a:ea typeface="微軟正黑體" pitchFamily="34" charset="-120"/>
-              </a:rPr>
-              <a:t>的好處不</a:t>
-            </a:r>
-            <a:r>
-              <a:rPr lang="zh-TW" altLang="en-US" sz="6400" b="1" dirty="0">
-                <a:solidFill>
-                  <a:srgbClr val="660033"/>
-                </a:solidFill>
-                <a:latin typeface="微軟正黑體" pitchFamily="34" charset="-120"/>
-                <a:ea typeface="微軟正黑體" pitchFamily="34" charset="-120"/>
-              </a:rPr>
-              <a:t>在祢以</a:t>
-            </a:r>
-            <a:r>
-              <a:rPr lang="zh-TW" altLang="en-US" sz="6400" b="1" dirty="0">
-                <a:solidFill>
-                  <a:srgbClr val="660033"/>
-                </a:solidFill>
-                <a:latin typeface="微軟正黑體" pitchFamily="34" charset="-120"/>
-                <a:ea typeface="微軟正黑體" pitchFamily="34" charset="-120"/>
-              </a:rPr>
-              <a:t>外</a:t>
+              <a:t>我的好處不在祢以外</a:t>
             </a:r>
             <a:endParaRPr lang="en-US" altLang="zh-TW" sz="6400" b="1" dirty="0">
               <a:solidFill>
@@ -3372,6 +3266,68 @@
               </a:solidFill>
               <a:latin typeface="微軟正黑體" pitchFamily="34" charset="-120"/>
               <a:ea typeface="微軟正黑體" pitchFamily="34" charset="-120"/>
+            </a:endParaRPr>
+          </a:p>
+        </p:txBody>
+      </p:sp>
+      <p:sp>
+        <p:nvSpPr>
+          <p:cNvPr id="3" name="TextBox 2"/>
+          <p:cNvSpPr txBox="1"/>
+          <p:nvPr/>
+        </p:nvSpPr>
+        <p:spPr>
+          <a:xfrm>
+            <a:off x="0" y="5179109"/>
+            <a:ext cx="12192000" cy="769441"/>
+          </a:xfrm>
+          <a:prstGeom prst="rect">
+            <a:avLst/>
+          </a:prstGeom>
+          <a:noFill/>
+        </p:spPr>
+        <p:txBody>
+          <a:bodyPr wrap="square" rtlCol="0">
+            <a:spAutoFit/>
+          </a:bodyPr>
+          <a:lstStyle/>
+          <a:p>
+            <a:pPr algn="ctr"/>
+            <a:r>
+              <a:rPr lang="en-US" sz="4400" b="1" dirty="0" smtClean="0">
+                <a:solidFill>
+                  <a:srgbClr val="660033"/>
+                </a:solidFill>
+                <a:latin typeface="Microsoft JhengHei" panose="020B0604030504040204" pitchFamily="34" charset="-120"/>
+                <a:ea typeface="Microsoft JhengHei" panose="020B0604030504040204" pitchFamily="34" charset="-120"/>
+              </a:rPr>
+              <a:t>( </a:t>
+            </a:r>
+            <a:r>
+              <a:rPr lang="zh-CN" altLang="en-US" sz="4400" b="1" dirty="0" smtClean="0">
+                <a:solidFill>
+                  <a:srgbClr val="660033"/>
+                </a:solidFill>
+                <a:latin typeface="Microsoft JhengHei" panose="020B0604030504040204" pitchFamily="34" charset="-120"/>
+                <a:ea typeface="Microsoft JhengHei" panose="020B0604030504040204" pitchFamily="34" charset="-120"/>
+              </a:rPr>
+              <a:t>正</a:t>
+            </a:r>
+            <a:r>
+              <a:rPr lang="en-US" sz="4400" b="1" dirty="0" smtClean="0">
+                <a:solidFill>
+                  <a:srgbClr val="660033"/>
+                </a:solidFill>
+                <a:latin typeface="Microsoft JhengHei" panose="020B0604030504040204" pitchFamily="34" charset="-120"/>
+                <a:ea typeface="Microsoft JhengHei" panose="020B0604030504040204" pitchFamily="34" charset="-120"/>
+              </a:rPr>
+              <a:t> )</a:t>
+            </a:r>
+            <a:endParaRPr lang="vi-VN" sz="4400" b="1" dirty="0">
+              <a:solidFill>
+                <a:srgbClr val="660033"/>
+              </a:solidFill>
+              <a:ea typeface="Microsoft JhengHei" panose="020B0604030504040204" pitchFamily="34" charset="-120"/>
             </a:endParaRPr>
           </a:p>
         </p:txBody>
@@ -3439,47 +3395,7 @@
                 <a:latin typeface="微軟正黑體" pitchFamily="34" charset="-120"/>
                 <a:ea typeface="微軟正黑體" pitchFamily="34" charset="-120"/>
               </a:rPr>
-              <a:t>祢是</a:t>
-            </a:r>
-            <a:r>
-              <a:rPr lang="zh-TW" altLang="en-US" sz="6400" b="1" dirty="0">
-                <a:solidFill>
-                  <a:srgbClr val="660033"/>
-                </a:solidFill>
-                <a:latin typeface="微軟正黑體" pitchFamily="34" charset="-120"/>
-                <a:ea typeface="微軟正黑體" pitchFamily="34" charset="-120"/>
-              </a:rPr>
-              <a:t>我的產</a:t>
-            </a:r>
-            <a:r>
-              <a:rPr lang="zh-TW" altLang="en-US" sz="6400" b="1" dirty="0">
-                <a:solidFill>
-                  <a:srgbClr val="660033"/>
-                </a:solidFill>
-                <a:latin typeface="微軟正黑體" pitchFamily="34" charset="-120"/>
-                <a:ea typeface="微軟正黑體" pitchFamily="34" charset="-120"/>
-              </a:rPr>
-              <a:t>業  我</a:t>
-            </a:r>
-            <a:r>
-              <a:rPr lang="zh-TW" altLang="en-US" sz="6400" b="1" dirty="0">
-                <a:solidFill>
-                  <a:srgbClr val="660033"/>
-                </a:solidFill>
-                <a:latin typeface="微軟正黑體" pitchFamily="34" charset="-120"/>
-                <a:ea typeface="微軟正黑體" pitchFamily="34" charset="-120"/>
-              </a:rPr>
-              <a:t>杯中的</a:t>
-            </a:r>
-            <a:r>
-              <a:rPr lang="zh-TW" altLang="en-US" sz="6400" b="1" dirty="0">
-                <a:solidFill>
-                  <a:srgbClr val="660033"/>
-                </a:solidFill>
-                <a:latin typeface="微軟正黑體" pitchFamily="34" charset="-120"/>
-                <a:ea typeface="微軟正黑體" pitchFamily="34" charset="-120"/>
-              </a:rPr>
-              <a:t>分</a:t>
+              <a:t>祢是我的產業  我杯中的分</a:t>
             </a:r>
             <a:endParaRPr lang="en-US" altLang="zh-TW" sz="6400" b="1" dirty="0">
               <a:solidFill>
@@ -3501,37 +3417,7 @@
                 <a:latin typeface="微軟正黑體" pitchFamily="34" charset="-120"/>
                 <a:ea typeface="微軟正黑體" pitchFamily="34" charset="-120"/>
               </a:rPr>
-              <a:t>我</a:t>
-            </a:r>
-            <a:r>
-              <a:rPr lang="zh-TW" altLang="en-US" sz="6400" b="1" dirty="0">
-                <a:solidFill>
-                  <a:srgbClr val="660033"/>
-                </a:solidFill>
-                <a:latin typeface="微軟正黑體" pitchFamily="34" charset="-120"/>
-                <a:ea typeface="微軟正黑體" pitchFamily="34" charset="-120"/>
-              </a:rPr>
-              <a:t>所得</a:t>
-            </a:r>
-            <a:r>
-              <a:rPr lang="zh-TW" altLang="en-US" sz="6400" b="1" dirty="0">
-                <a:solidFill>
-                  <a:srgbClr val="660033"/>
-                </a:solidFill>
-                <a:latin typeface="微軟正黑體" pitchFamily="34" charset="-120"/>
-                <a:ea typeface="微軟正黑體" pitchFamily="34" charset="-120"/>
-              </a:rPr>
-              <a:t>的祢為</a:t>
-            </a:r>
-            <a:r>
-              <a:rPr lang="zh-TW" altLang="en-US" sz="6400" b="1" dirty="0">
-                <a:solidFill>
-                  <a:srgbClr val="660033"/>
-                </a:solidFill>
-                <a:latin typeface="微軟正黑體" pitchFamily="34" charset="-120"/>
-                <a:ea typeface="微軟正黑體" pitchFamily="34" charset="-120"/>
-              </a:rPr>
-              <a:t>我持守</a:t>
+              <a:t>我所得的祢為我持守</a:t>
             </a:r>
             <a:endParaRPr lang="en-US" altLang="zh-TW" sz="6400" b="1" dirty="0">
               <a:solidFill>
@@ -3539,6 +3425,68 @@
               </a:solidFill>
               <a:latin typeface="微軟正黑體" pitchFamily="34" charset="-120"/>
               <a:ea typeface="微軟正黑體" pitchFamily="34" charset="-120"/>
+            </a:endParaRPr>
+          </a:p>
+        </p:txBody>
+      </p:sp>
+      <p:sp>
+        <p:nvSpPr>
+          <p:cNvPr id="3" name="TextBox 2"/>
+          <p:cNvSpPr txBox="1"/>
+          <p:nvPr/>
+        </p:nvSpPr>
+        <p:spPr>
+          <a:xfrm>
+            <a:off x="0" y="5179109"/>
+            <a:ext cx="12192000" cy="769441"/>
+          </a:xfrm>
+          <a:prstGeom prst="rect">
+            <a:avLst/>
+          </a:prstGeom>
+          <a:noFill/>
+        </p:spPr>
+        <p:txBody>
+          <a:bodyPr wrap="square" rtlCol="0">
+            <a:spAutoFit/>
+          </a:bodyPr>
+          <a:lstStyle/>
+          <a:p>
+            <a:pPr algn="ctr"/>
+            <a:r>
+              <a:rPr lang="en-US" sz="4400" b="1" dirty="0" smtClean="0">
+                <a:solidFill>
+                  <a:srgbClr val="660033"/>
+                </a:solidFill>
+                <a:latin typeface="Microsoft JhengHei" panose="020B0604030504040204" pitchFamily="34" charset="-120"/>
+                <a:ea typeface="Microsoft JhengHei" panose="020B0604030504040204" pitchFamily="34" charset="-120"/>
+              </a:rPr>
+              <a:t>( </a:t>
+            </a:r>
+            <a:r>
+              <a:rPr lang="zh-CN" altLang="en-US" sz="4400" b="1" dirty="0" smtClean="0">
+                <a:solidFill>
+                  <a:srgbClr val="660033"/>
+                </a:solidFill>
+                <a:latin typeface="Microsoft JhengHei" panose="020B0604030504040204" pitchFamily="34" charset="-120"/>
+                <a:ea typeface="Microsoft JhengHei" panose="020B0604030504040204" pitchFamily="34" charset="-120"/>
+              </a:rPr>
+              <a:t>正</a:t>
+            </a:r>
+            <a:r>
+              <a:rPr lang="en-US" sz="4400" b="1" dirty="0" smtClean="0">
+                <a:solidFill>
+                  <a:srgbClr val="660033"/>
+                </a:solidFill>
+                <a:latin typeface="Microsoft JhengHei" panose="020B0604030504040204" pitchFamily="34" charset="-120"/>
+                <a:ea typeface="Microsoft JhengHei" panose="020B0604030504040204" pitchFamily="34" charset="-120"/>
+              </a:rPr>
+              <a:t> )</a:t>
+            </a:r>
+            <a:endParaRPr lang="vi-VN" sz="4400" b="1" dirty="0">
+              <a:solidFill>
+                <a:srgbClr val="660033"/>
+              </a:solidFill>
+              <a:ea typeface="Microsoft JhengHei" panose="020B0604030504040204" pitchFamily="34" charset="-120"/>
             </a:endParaRPr>
           </a:p>
         </p:txBody>
@@ -3606,37 +3554,7 @@
                 <a:latin typeface="微軟正黑體" pitchFamily="34" charset="-120"/>
                 <a:ea typeface="微軟正黑體" pitchFamily="34" charset="-120"/>
               </a:rPr>
-              <a:t>耶和華我的</a:t>
-            </a:r>
-            <a:r>
-              <a:rPr lang="zh-TW" altLang="en-US" sz="6400" b="1" dirty="0">
-                <a:solidFill>
-                  <a:srgbClr val="660033"/>
-                </a:solidFill>
-                <a:latin typeface="微軟正黑體" pitchFamily="34" charset="-120"/>
-                <a:ea typeface="微軟正黑體" pitchFamily="34" charset="-120"/>
-              </a:rPr>
-              <a:t>神  祢是</a:t>
-            </a:r>
-            <a:r>
-              <a:rPr lang="zh-TW" altLang="en-US" sz="6400" b="1" dirty="0">
-                <a:solidFill>
-                  <a:srgbClr val="660033"/>
-                </a:solidFill>
-                <a:latin typeface="微軟正黑體" pitchFamily="34" charset="-120"/>
-                <a:ea typeface="微軟正黑體" pitchFamily="34" charset="-120"/>
-              </a:rPr>
-              <a:t>我的</a:t>
-            </a:r>
-            <a:r>
-              <a:rPr lang="zh-TW" altLang="en-US" sz="6400" b="1" dirty="0">
-                <a:solidFill>
-                  <a:srgbClr val="660033"/>
-                </a:solidFill>
-                <a:latin typeface="微軟正黑體" pitchFamily="34" charset="-120"/>
-                <a:ea typeface="微軟正黑體" pitchFamily="34" charset="-120"/>
-              </a:rPr>
-              <a:t>神</a:t>
+              <a:t>耶和華我的神  祢是我的神</a:t>
             </a:r>
             <a:endParaRPr lang="en-US" altLang="zh-TW" sz="6400" b="1" dirty="0">
               <a:solidFill>
@@ -3658,37 +3576,7 @@
                 <a:latin typeface="微軟正黑體" pitchFamily="34" charset="-120"/>
                 <a:ea typeface="微軟正黑體" pitchFamily="34" charset="-120"/>
               </a:rPr>
-              <a:t>我</a:t>
-            </a:r>
-            <a:r>
-              <a:rPr lang="zh-TW" altLang="en-US" sz="6400" b="1" dirty="0">
-                <a:solidFill>
-                  <a:srgbClr val="660033"/>
-                </a:solidFill>
-                <a:latin typeface="微軟正黑體" pitchFamily="34" charset="-120"/>
-                <a:ea typeface="微軟正黑體" pitchFamily="34" charset="-120"/>
-              </a:rPr>
-              <a:t>的好處不</a:t>
-            </a:r>
-            <a:r>
-              <a:rPr lang="zh-TW" altLang="en-US" sz="6400" b="1" dirty="0">
-                <a:solidFill>
-                  <a:srgbClr val="660033"/>
-                </a:solidFill>
-                <a:latin typeface="微軟正黑體" pitchFamily="34" charset="-120"/>
-                <a:ea typeface="微軟正黑體" pitchFamily="34" charset="-120"/>
-              </a:rPr>
-              <a:t>在祢以</a:t>
-            </a:r>
-            <a:r>
-              <a:rPr lang="zh-TW" altLang="en-US" sz="6400" b="1" dirty="0">
-                <a:solidFill>
-                  <a:srgbClr val="660033"/>
-                </a:solidFill>
-                <a:latin typeface="微軟正黑體" pitchFamily="34" charset="-120"/>
-                <a:ea typeface="微軟正黑體" pitchFamily="34" charset="-120"/>
-              </a:rPr>
-              <a:t>外</a:t>
+              <a:t>我的好處不在祢以外</a:t>
             </a:r>
             <a:endParaRPr lang="en-US" altLang="zh-TW" sz="6400" b="1" dirty="0">
               <a:solidFill>
@@ -3696,6 +3584,68 @@
               </a:solidFill>
               <a:latin typeface="微軟正黑體" pitchFamily="34" charset="-120"/>
               <a:ea typeface="微軟正黑體" pitchFamily="34" charset="-120"/>
+            </a:endParaRPr>
+          </a:p>
+        </p:txBody>
+      </p:sp>
+      <p:sp>
+        <p:nvSpPr>
+          <p:cNvPr id="3" name="TextBox 2"/>
+          <p:cNvSpPr txBox="1"/>
+          <p:nvPr/>
+        </p:nvSpPr>
+        <p:spPr>
+          <a:xfrm>
+            <a:off x="0" y="5179109"/>
+            <a:ext cx="12192000" cy="769441"/>
+          </a:xfrm>
+          <a:prstGeom prst="rect">
+            <a:avLst/>
+          </a:prstGeom>
+          <a:noFill/>
+        </p:spPr>
+        <p:txBody>
+          <a:bodyPr wrap="square" rtlCol="0">
+            <a:spAutoFit/>
+          </a:bodyPr>
+          <a:lstStyle/>
+          <a:p>
+            <a:pPr algn="ctr"/>
+            <a:r>
+              <a:rPr lang="en-US" sz="4400" b="1" dirty="0" smtClean="0">
+                <a:solidFill>
+                  <a:srgbClr val="660033"/>
+                </a:solidFill>
+                <a:latin typeface="Microsoft JhengHei" panose="020B0604030504040204" pitchFamily="34" charset="-120"/>
+                <a:ea typeface="Microsoft JhengHei" panose="020B0604030504040204" pitchFamily="34" charset="-120"/>
+              </a:rPr>
+              <a:t>( </a:t>
+            </a:r>
+            <a:r>
+              <a:rPr lang="zh-CN" altLang="en-US" sz="4400" b="1" dirty="0" smtClean="0">
+                <a:solidFill>
+                  <a:srgbClr val="660033"/>
+                </a:solidFill>
+                <a:latin typeface="Microsoft JhengHei" panose="020B0604030504040204" pitchFamily="34" charset="-120"/>
+                <a:ea typeface="Microsoft JhengHei" panose="020B0604030504040204" pitchFamily="34" charset="-120"/>
+              </a:rPr>
+              <a:t>正</a:t>
+            </a:r>
+            <a:r>
+              <a:rPr lang="en-US" sz="4400" b="1" dirty="0" smtClean="0">
+                <a:solidFill>
+                  <a:srgbClr val="660033"/>
+                </a:solidFill>
+                <a:latin typeface="Microsoft JhengHei" panose="020B0604030504040204" pitchFamily="34" charset="-120"/>
+                <a:ea typeface="Microsoft JhengHei" panose="020B0604030504040204" pitchFamily="34" charset="-120"/>
+              </a:rPr>
+              <a:t> )</a:t>
+            </a:r>
+            <a:endParaRPr lang="vi-VN" sz="4400" b="1" dirty="0">
+              <a:solidFill>
+                <a:srgbClr val="660033"/>
+              </a:solidFill>
+              <a:ea typeface="Microsoft JhengHei" panose="020B0604030504040204" pitchFamily="34" charset="-120"/>
             </a:endParaRPr>
           </a:p>
         </p:txBody>
@@ -3763,47 +3713,7 @@
                 <a:latin typeface="微軟正黑體" pitchFamily="34" charset="-120"/>
                 <a:ea typeface="微軟正黑體" pitchFamily="34" charset="-120"/>
               </a:rPr>
-              <a:t>祢是</a:t>
-            </a:r>
-            <a:r>
-              <a:rPr lang="zh-TW" altLang="en-US" sz="6400" b="1" dirty="0">
-                <a:solidFill>
-                  <a:srgbClr val="660033"/>
-                </a:solidFill>
-                <a:latin typeface="微軟正黑體" pitchFamily="34" charset="-120"/>
-                <a:ea typeface="微軟正黑體" pitchFamily="34" charset="-120"/>
-              </a:rPr>
-              <a:t>我的產</a:t>
-            </a:r>
-            <a:r>
-              <a:rPr lang="zh-TW" altLang="en-US" sz="6400" b="1" dirty="0">
-                <a:solidFill>
-                  <a:srgbClr val="660033"/>
-                </a:solidFill>
-                <a:latin typeface="微軟正黑體" pitchFamily="34" charset="-120"/>
-                <a:ea typeface="微軟正黑體" pitchFamily="34" charset="-120"/>
-              </a:rPr>
-              <a:t>業  我</a:t>
-            </a:r>
-            <a:r>
-              <a:rPr lang="zh-TW" altLang="en-US" sz="6400" b="1" dirty="0">
-                <a:solidFill>
-                  <a:srgbClr val="660033"/>
-                </a:solidFill>
-                <a:latin typeface="微軟正黑體" pitchFamily="34" charset="-120"/>
-                <a:ea typeface="微軟正黑體" pitchFamily="34" charset="-120"/>
-              </a:rPr>
-              <a:t>杯中的</a:t>
-            </a:r>
-            <a:r>
-              <a:rPr lang="zh-TW" altLang="en-US" sz="6400" b="1" dirty="0">
-                <a:solidFill>
-                  <a:srgbClr val="660033"/>
-                </a:solidFill>
-                <a:latin typeface="微軟正黑體" pitchFamily="34" charset="-120"/>
-                <a:ea typeface="微軟正黑體" pitchFamily="34" charset="-120"/>
-              </a:rPr>
-              <a:t>分</a:t>
+              <a:t>祢是我的產業  我杯中的分</a:t>
             </a:r>
             <a:endParaRPr lang="en-US" altLang="zh-TW" sz="6400" b="1" dirty="0">
               <a:solidFill>
@@ -3825,37 +3735,7 @@
                 <a:latin typeface="微軟正黑體" pitchFamily="34" charset="-120"/>
                 <a:ea typeface="微軟正黑體" pitchFamily="34" charset="-120"/>
               </a:rPr>
-              <a:t>我</a:t>
-            </a:r>
-            <a:r>
-              <a:rPr lang="zh-TW" altLang="en-US" sz="6400" b="1" dirty="0">
-                <a:solidFill>
-                  <a:srgbClr val="660033"/>
-                </a:solidFill>
-                <a:latin typeface="微軟正黑體" pitchFamily="34" charset="-120"/>
-                <a:ea typeface="微軟正黑體" pitchFamily="34" charset="-120"/>
-              </a:rPr>
-              <a:t>所得</a:t>
-            </a:r>
-            <a:r>
-              <a:rPr lang="zh-TW" altLang="en-US" sz="6400" b="1" dirty="0">
-                <a:solidFill>
-                  <a:srgbClr val="660033"/>
-                </a:solidFill>
-                <a:latin typeface="微軟正黑體" pitchFamily="34" charset="-120"/>
-                <a:ea typeface="微軟正黑體" pitchFamily="34" charset="-120"/>
-              </a:rPr>
-              <a:t>的祢為</a:t>
-            </a:r>
-            <a:r>
-              <a:rPr lang="zh-TW" altLang="en-US" sz="6400" b="1" dirty="0">
-                <a:solidFill>
-                  <a:srgbClr val="660033"/>
-                </a:solidFill>
-                <a:latin typeface="微軟正黑體" pitchFamily="34" charset="-120"/>
-                <a:ea typeface="微軟正黑體" pitchFamily="34" charset="-120"/>
-              </a:rPr>
-              <a:t>我持守</a:t>
+              <a:t>我所得的祢為我持守</a:t>
             </a:r>
             <a:endParaRPr lang="en-US" altLang="zh-TW" sz="6400" b="1" dirty="0">
               <a:solidFill>
@@ -3863,6 +3743,68 @@
               </a:solidFill>
               <a:latin typeface="微軟正黑體" pitchFamily="34" charset="-120"/>
               <a:ea typeface="微軟正黑體" pitchFamily="34" charset="-120"/>
+            </a:endParaRPr>
+          </a:p>
+        </p:txBody>
+      </p:sp>
+      <p:sp>
+        <p:nvSpPr>
+          <p:cNvPr id="3" name="TextBox 2"/>
+          <p:cNvSpPr txBox="1"/>
+          <p:nvPr/>
+        </p:nvSpPr>
+        <p:spPr>
+          <a:xfrm>
+            <a:off x="0" y="5179109"/>
+            <a:ext cx="12192000" cy="769441"/>
+          </a:xfrm>
+          <a:prstGeom prst="rect">
+            <a:avLst/>
+          </a:prstGeom>
+          <a:noFill/>
+        </p:spPr>
+        <p:txBody>
+          <a:bodyPr wrap="square" rtlCol="0">
+            <a:spAutoFit/>
+          </a:bodyPr>
+          <a:lstStyle/>
+          <a:p>
+            <a:pPr algn="ctr"/>
+            <a:r>
+              <a:rPr lang="en-US" sz="4400" b="1" dirty="0" smtClean="0">
+                <a:solidFill>
+                  <a:srgbClr val="660033"/>
+                </a:solidFill>
+                <a:latin typeface="Microsoft JhengHei" panose="020B0604030504040204" pitchFamily="34" charset="-120"/>
+                <a:ea typeface="Microsoft JhengHei" panose="020B0604030504040204" pitchFamily="34" charset="-120"/>
+              </a:rPr>
+              <a:t>( </a:t>
+            </a:r>
+            <a:r>
+              <a:rPr lang="zh-CN" altLang="en-US" sz="4400" b="1" dirty="0" smtClean="0">
+                <a:solidFill>
+                  <a:srgbClr val="660033"/>
+                </a:solidFill>
+                <a:latin typeface="Microsoft JhengHei" panose="020B0604030504040204" pitchFamily="34" charset="-120"/>
+                <a:ea typeface="Microsoft JhengHei" panose="020B0604030504040204" pitchFamily="34" charset="-120"/>
+              </a:rPr>
+              <a:t>正</a:t>
+            </a:r>
+            <a:r>
+              <a:rPr lang="en-US" sz="4400" b="1" dirty="0" smtClean="0">
+                <a:solidFill>
+                  <a:srgbClr val="660033"/>
+                </a:solidFill>
+                <a:latin typeface="Microsoft JhengHei" panose="020B0604030504040204" pitchFamily="34" charset="-120"/>
+                <a:ea typeface="Microsoft JhengHei" panose="020B0604030504040204" pitchFamily="34" charset="-120"/>
+              </a:rPr>
+              <a:t> )</a:t>
+            </a:r>
+            <a:endParaRPr lang="vi-VN" sz="4400" b="1" dirty="0">
+              <a:solidFill>
+                <a:srgbClr val="660033"/>
+              </a:solidFill>
+              <a:ea typeface="Microsoft JhengHei" panose="020B0604030504040204" pitchFamily="34" charset="-120"/>
             </a:endParaRPr>
           </a:p>
         </p:txBody>
@@ -3930,17 +3872,7 @@
                 <a:latin typeface="微軟正黑體" pitchFamily="34" charset="-120"/>
                 <a:ea typeface="微軟正黑體" pitchFamily="34" charset="-120"/>
               </a:rPr>
-              <a:t>我將耶和華常擺在我面</a:t>
-            </a:r>
-            <a:r>
-              <a:rPr lang="zh-TW" altLang="en-US" sz="6400" b="1" dirty="0">
-                <a:solidFill>
-                  <a:srgbClr val="660033"/>
-                </a:solidFill>
-                <a:latin typeface="微軟正黑體" pitchFamily="34" charset="-120"/>
-                <a:ea typeface="微軟正黑體" pitchFamily="34" charset="-120"/>
-              </a:rPr>
-              <a:t>前</a:t>
+              <a:t>我將耶和華常擺在我面前</a:t>
             </a:r>
             <a:endParaRPr lang="en-US" altLang="zh-TW" sz="6400" b="1" dirty="0">
               <a:solidFill>
@@ -3962,37 +3894,7 @@
                 <a:latin typeface="微軟正黑體" pitchFamily="34" charset="-120"/>
                 <a:ea typeface="微軟正黑體" pitchFamily="34" charset="-120"/>
               </a:rPr>
-              <a:t>因祢在</a:t>
-            </a:r>
-            <a:r>
-              <a:rPr lang="zh-TW" altLang="en-US" sz="6400" b="1" dirty="0">
-                <a:solidFill>
-                  <a:srgbClr val="660033"/>
-                </a:solidFill>
-                <a:latin typeface="微軟正黑體" pitchFamily="34" charset="-120"/>
-                <a:ea typeface="微軟正黑體" pitchFamily="34" charset="-120"/>
-              </a:rPr>
-              <a:t>我右</a:t>
-            </a:r>
-            <a:r>
-              <a:rPr lang="zh-TW" altLang="en-US" sz="6400" b="1" dirty="0">
-                <a:solidFill>
-                  <a:srgbClr val="660033"/>
-                </a:solidFill>
-                <a:latin typeface="微軟正黑體" pitchFamily="34" charset="-120"/>
-                <a:ea typeface="微軟正黑體" pitchFamily="34" charset="-120"/>
-              </a:rPr>
-              <a:t>邊  我</a:t>
-            </a:r>
-            <a:r>
-              <a:rPr lang="zh-TW" altLang="en-US" sz="6400" b="1" dirty="0">
-                <a:solidFill>
-                  <a:srgbClr val="660033"/>
-                </a:solidFill>
-                <a:latin typeface="微軟正黑體" pitchFamily="34" charset="-120"/>
-                <a:ea typeface="微軟正黑體" pitchFamily="34" charset="-120"/>
-              </a:rPr>
-              <a:t>不便致動搖</a:t>
+              <a:t>因祢在我右邊  我不便致動搖</a:t>
             </a:r>
             <a:endParaRPr lang="en-US" altLang="zh-TW" sz="6400" b="1" dirty="0">
               <a:solidFill>
@@ -4000,6 +3902,78 @@
               </a:solidFill>
               <a:latin typeface="微軟正黑體" pitchFamily="34" charset="-120"/>
               <a:ea typeface="微軟正黑體" pitchFamily="34" charset="-120"/>
+            </a:endParaRPr>
+          </a:p>
+        </p:txBody>
+      </p:sp>
+      <p:sp>
+        <p:nvSpPr>
+          <p:cNvPr id="3" name="TextBox 2"/>
+          <p:cNvSpPr txBox="1"/>
+          <p:nvPr/>
+        </p:nvSpPr>
+        <p:spPr>
+          <a:xfrm>
+            <a:off x="0" y="5179109"/>
+            <a:ext cx="12192000" cy="769441"/>
+          </a:xfrm>
+          <a:prstGeom prst="rect">
+            <a:avLst/>
+          </a:prstGeom>
+          <a:noFill/>
+        </p:spPr>
+        <p:txBody>
+          <a:bodyPr wrap="square" rtlCol="0">
+            <a:spAutoFit/>
+          </a:bodyPr>
+          <a:lstStyle/>
+          <a:p>
+            <a:pPr algn="ctr"/>
+            <a:r>
+              <a:rPr lang="en-US" sz="4400" b="1" dirty="0" smtClean="0">
+                <a:solidFill>
+                  <a:srgbClr val="660033"/>
+                </a:solidFill>
+                <a:latin typeface="Microsoft JhengHei" panose="020B0604030504040204" pitchFamily="34" charset="-120"/>
+                <a:ea typeface="Microsoft JhengHei" panose="020B0604030504040204" pitchFamily="34" charset="-120"/>
+              </a:rPr>
+              <a:t>( </a:t>
+            </a:r>
+            <a:r>
+              <a:rPr lang="zh-CN" altLang="en-US" sz="4400" b="1" dirty="0" smtClean="0">
+                <a:solidFill>
+                  <a:srgbClr val="660033"/>
+                </a:solidFill>
+                <a:latin typeface="Microsoft JhengHei" panose="020B0604030504040204" pitchFamily="34" charset="-120"/>
+                <a:ea typeface="Microsoft JhengHei" panose="020B0604030504040204" pitchFamily="34" charset="-120"/>
+              </a:rPr>
+              <a:t>副</a:t>
+            </a:r>
+            <a:r>
+              <a:rPr lang="en-US" sz="4400" b="1" dirty="0" smtClean="0">
+                <a:solidFill>
+                  <a:srgbClr val="660033"/>
+                </a:solidFill>
+                <a:latin typeface="Microsoft JhengHei" panose="020B0604030504040204" pitchFamily="34" charset="-120"/>
+                <a:ea typeface="Microsoft JhengHei" panose="020B0604030504040204" pitchFamily="34" charset="-120"/>
+              </a:rPr>
+              <a:t> </a:t>
+            </a:r>
+            <a:r>
+              <a:rPr lang="en-US" sz="4400" b="1" dirty="0" smtClean="0">
+                <a:solidFill>
+                  <a:srgbClr val="660033"/>
+                </a:solidFill>
+                <a:latin typeface="Microsoft JhengHei" panose="020B0604030504040204" pitchFamily="34" charset="-120"/>
+                <a:ea typeface="Microsoft JhengHei" panose="020B0604030504040204" pitchFamily="34" charset="-120"/>
+              </a:rPr>
+              <a:t>)</a:t>
+            </a:r>
+            <a:endParaRPr lang="vi-VN" sz="4400" b="1" dirty="0">
+              <a:solidFill>
+                <a:srgbClr val="660033"/>
+              </a:solidFill>
+              <a:ea typeface="Microsoft JhengHei" panose="020B0604030504040204" pitchFamily="34" charset="-120"/>
             </a:endParaRPr>
           </a:p>
         </p:txBody>
@@ -4067,37 +4041,7 @@
                 <a:latin typeface="微軟正黑體" pitchFamily="34" charset="-120"/>
                 <a:ea typeface="微軟正黑體" pitchFamily="34" charset="-120"/>
               </a:rPr>
-              <a:t>我的心歡</a:t>
-            </a:r>
-            <a:r>
-              <a:rPr lang="zh-TW" altLang="en-US" sz="6400" b="1" dirty="0">
-                <a:solidFill>
-                  <a:srgbClr val="660033"/>
-                </a:solidFill>
-                <a:latin typeface="微軟正黑體" pitchFamily="34" charset="-120"/>
-                <a:ea typeface="微軟正黑體" pitchFamily="34" charset="-120"/>
-              </a:rPr>
-              <a:t>喜  我</a:t>
-            </a:r>
-            <a:r>
-              <a:rPr lang="zh-TW" altLang="en-US" sz="6400" b="1" dirty="0">
-                <a:solidFill>
-                  <a:srgbClr val="660033"/>
-                </a:solidFill>
-                <a:latin typeface="微軟正黑體" pitchFamily="34" charset="-120"/>
-                <a:ea typeface="微軟正黑體" pitchFamily="34" charset="-120"/>
-              </a:rPr>
-              <a:t>的靈快</a:t>
-            </a:r>
-            <a:r>
-              <a:rPr lang="zh-TW" altLang="en-US" sz="6400" b="1" dirty="0">
-                <a:solidFill>
-                  <a:srgbClr val="660033"/>
-                </a:solidFill>
-                <a:latin typeface="微軟正黑體" pitchFamily="34" charset="-120"/>
-                <a:ea typeface="微軟正黑體" pitchFamily="34" charset="-120"/>
-              </a:rPr>
-              <a:t>樂</a:t>
+              <a:t>我的心歡喜  我的靈快樂</a:t>
             </a:r>
             <a:endParaRPr lang="en-US" altLang="zh-TW" sz="6400" b="1" dirty="0">
               <a:solidFill>
@@ -4119,17 +4063,7 @@
                 <a:latin typeface="微軟正黑體" pitchFamily="34" charset="-120"/>
                 <a:ea typeface="微軟正黑體" pitchFamily="34" charset="-120"/>
               </a:rPr>
-              <a:t>我</a:t>
-            </a:r>
-            <a:r>
-              <a:rPr lang="zh-TW" altLang="en-US" sz="6400" b="1" dirty="0">
-                <a:solidFill>
-                  <a:srgbClr val="660033"/>
-                </a:solidFill>
-                <a:latin typeface="微軟正黑體" pitchFamily="34" charset="-120"/>
-                <a:ea typeface="微軟正黑體" pitchFamily="34" charset="-120"/>
-              </a:rPr>
-              <a:t>的肉身也要安然居住</a:t>
+              <a:t>我的肉身也要安然居住</a:t>
             </a:r>
             <a:endParaRPr lang="en-US" altLang="zh-TW" sz="6400" b="1" dirty="0">
               <a:solidFill>
@@ -4137,6 +4071,78 @@
               </a:solidFill>
               <a:latin typeface="微軟正黑體" pitchFamily="34" charset="-120"/>
               <a:ea typeface="微軟正黑體" pitchFamily="34" charset="-120"/>
+            </a:endParaRPr>
+          </a:p>
+        </p:txBody>
+      </p:sp>
+      <p:sp>
+        <p:nvSpPr>
+          <p:cNvPr id="3" name="TextBox 2"/>
+          <p:cNvSpPr txBox="1"/>
+          <p:nvPr/>
+        </p:nvSpPr>
+        <p:spPr>
+          <a:xfrm>
+            <a:off x="0" y="5179109"/>
+            <a:ext cx="12192000" cy="769441"/>
+          </a:xfrm>
+          <a:prstGeom prst="rect">
+            <a:avLst/>
+          </a:prstGeom>
+          <a:noFill/>
+        </p:spPr>
+        <p:txBody>
+          <a:bodyPr wrap="square" rtlCol="0">
+            <a:spAutoFit/>
+          </a:bodyPr>
+          <a:lstStyle/>
+          <a:p>
+            <a:pPr algn="ctr"/>
+            <a:r>
+              <a:rPr lang="en-US" sz="4400" b="1" dirty="0" smtClean="0">
+                <a:solidFill>
+                  <a:srgbClr val="660033"/>
+                </a:solidFill>
+                <a:latin typeface="Microsoft JhengHei" panose="020B0604030504040204" pitchFamily="34" charset="-120"/>
+                <a:ea typeface="Microsoft JhengHei" panose="020B0604030504040204" pitchFamily="34" charset="-120"/>
+              </a:rPr>
+              <a:t>( </a:t>
+            </a:r>
+            <a:r>
+              <a:rPr lang="zh-CN" altLang="en-US" sz="4400" b="1" dirty="0" smtClean="0">
+                <a:solidFill>
+                  <a:srgbClr val="660033"/>
+                </a:solidFill>
+                <a:latin typeface="Microsoft JhengHei" panose="020B0604030504040204" pitchFamily="34" charset="-120"/>
+                <a:ea typeface="Microsoft JhengHei" panose="020B0604030504040204" pitchFamily="34" charset="-120"/>
+              </a:rPr>
+              <a:t>副</a:t>
+            </a:r>
+            <a:r>
+              <a:rPr lang="en-US" sz="4400" b="1" dirty="0" smtClean="0">
+                <a:solidFill>
+                  <a:srgbClr val="660033"/>
+                </a:solidFill>
+                <a:latin typeface="Microsoft JhengHei" panose="020B0604030504040204" pitchFamily="34" charset="-120"/>
+                <a:ea typeface="Microsoft JhengHei" panose="020B0604030504040204" pitchFamily="34" charset="-120"/>
+              </a:rPr>
+              <a:t> </a:t>
+            </a:r>
+            <a:r>
+              <a:rPr lang="en-US" sz="4400" b="1" dirty="0" smtClean="0">
+                <a:solidFill>
+                  <a:srgbClr val="660033"/>
+                </a:solidFill>
+                <a:latin typeface="Microsoft JhengHei" panose="020B0604030504040204" pitchFamily="34" charset="-120"/>
+                <a:ea typeface="Microsoft JhengHei" panose="020B0604030504040204" pitchFamily="34" charset="-120"/>
+              </a:rPr>
+              <a:t>)</a:t>
+            </a:r>
+            <a:endParaRPr lang="vi-VN" sz="4400" b="1" dirty="0">
+              <a:solidFill>
+                <a:srgbClr val="660033"/>
+              </a:solidFill>
+              <a:ea typeface="Microsoft JhengHei" panose="020B0604030504040204" pitchFamily="34" charset="-120"/>
             </a:endParaRPr>
           </a:p>
         </p:txBody>
@@ -4204,17 +4210,7 @@
                 <a:latin typeface="微軟正黑體" pitchFamily="34" charset="-120"/>
                 <a:ea typeface="微軟正黑體" pitchFamily="34" charset="-120"/>
               </a:rPr>
-              <a:t>我將耶和華常擺在我面</a:t>
-            </a:r>
-            <a:r>
-              <a:rPr lang="zh-TW" altLang="en-US" sz="6400" b="1" dirty="0">
-                <a:solidFill>
-                  <a:srgbClr val="660033"/>
-                </a:solidFill>
-                <a:latin typeface="微軟正黑體" pitchFamily="34" charset="-120"/>
-                <a:ea typeface="微軟正黑體" pitchFamily="34" charset="-120"/>
-              </a:rPr>
-              <a:t>前</a:t>
+              <a:t>我將耶和華常擺在我面前</a:t>
             </a:r>
             <a:endParaRPr lang="en-US" altLang="zh-TW" sz="6400" b="1" dirty="0">
               <a:solidFill>
@@ -4236,37 +4232,7 @@
                 <a:latin typeface="微軟正黑體" pitchFamily="34" charset="-120"/>
                 <a:ea typeface="微軟正黑體" pitchFamily="34" charset="-120"/>
               </a:rPr>
-              <a:t>因祢在</a:t>
-            </a:r>
-            <a:r>
-              <a:rPr lang="zh-TW" altLang="en-US" sz="6400" b="1" dirty="0">
-                <a:solidFill>
-                  <a:srgbClr val="660033"/>
-                </a:solidFill>
-                <a:latin typeface="微軟正黑體" pitchFamily="34" charset="-120"/>
-                <a:ea typeface="微軟正黑體" pitchFamily="34" charset="-120"/>
-              </a:rPr>
-              <a:t>我右</a:t>
-            </a:r>
-            <a:r>
-              <a:rPr lang="zh-TW" altLang="en-US" sz="6400" b="1" dirty="0">
-                <a:solidFill>
-                  <a:srgbClr val="660033"/>
-                </a:solidFill>
-                <a:latin typeface="微軟正黑體" pitchFamily="34" charset="-120"/>
-                <a:ea typeface="微軟正黑體" pitchFamily="34" charset="-120"/>
-              </a:rPr>
-              <a:t>邊  我</a:t>
-            </a:r>
-            <a:r>
-              <a:rPr lang="zh-TW" altLang="en-US" sz="6400" b="1" dirty="0">
-                <a:solidFill>
-                  <a:srgbClr val="660033"/>
-                </a:solidFill>
-                <a:latin typeface="微軟正黑體" pitchFamily="34" charset="-120"/>
-                <a:ea typeface="微軟正黑體" pitchFamily="34" charset="-120"/>
-              </a:rPr>
-              <a:t>便不致動搖</a:t>
+              <a:t>因祢在我右邊  我便不致動搖</a:t>
             </a:r>
             <a:endParaRPr lang="en-US" altLang="zh-TW" sz="6400" b="1" dirty="0">
               <a:solidFill>
@@ -4274,6 +4240,78 @@
               </a:solidFill>
               <a:latin typeface="微軟正黑體" pitchFamily="34" charset="-120"/>
               <a:ea typeface="微軟正黑體" pitchFamily="34" charset="-120"/>
+            </a:endParaRPr>
+          </a:p>
+        </p:txBody>
+      </p:sp>
+      <p:sp>
+        <p:nvSpPr>
+          <p:cNvPr id="3" name="TextBox 2"/>
+          <p:cNvSpPr txBox="1"/>
+          <p:nvPr/>
+        </p:nvSpPr>
+        <p:spPr>
+          <a:xfrm>
+            <a:off x="0" y="5179109"/>
+            <a:ext cx="12192000" cy="769441"/>
+          </a:xfrm>
+          <a:prstGeom prst="rect">
+            <a:avLst/>
+          </a:prstGeom>
+          <a:noFill/>
+        </p:spPr>
+        <p:txBody>
+          <a:bodyPr wrap="square" rtlCol="0">
+            <a:spAutoFit/>
+          </a:bodyPr>
+          <a:lstStyle/>
+          <a:p>
+            <a:pPr algn="ctr"/>
+            <a:r>
+              <a:rPr lang="en-US" sz="4400" b="1" dirty="0" smtClean="0">
+                <a:solidFill>
+                  <a:srgbClr val="660033"/>
+                </a:solidFill>
+                <a:latin typeface="Microsoft JhengHei" panose="020B0604030504040204" pitchFamily="34" charset="-120"/>
+                <a:ea typeface="Microsoft JhengHei" panose="020B0604030504040204" pitchFamily="34" charset="-120"/>
+              </a:rPr>
+              <a:t>( </a:t>
+            </a:r>
+            <a:r>
+              <a:rPr lang="zh-CN" altLang="en-US" sz="4400" b="1" dirty="0" smtClean="0">
+                <a:solidFill>
+                  <a:srgbClr val="660033"/>
+                </a:solidFill>
+                <a:latin typeface="Microsoft JhengHei" panose="020B0604030504040204" pitchFamily="34" charset="-120"/>
+                <a:ea typeface="Microsoft JhengHei" panose="020B0604030504040204" pitchFamily="34" charset="-120"/>
+              </a:rPr>
+              <a:t>副</a:t>
+            </a:r>
+            <a:r>
+              <a:rPr lang="en-US" sz="4400" b="1" dirty="0" smtClean="0">
+                <a:solidFill>
+                  <a:srgbClr val="660033"/>
+                </a:solidFill>
+                <a:latin typeface="Microsoft JhengHei" panose="020B0604030504040204" pitchFamily="34" charset="-120"/>
+                <a:ea typeface="Microsoft JhengHei" panose="020B0604030504040204" pitchFamily="34" charset="-120"/>
+              </a:rPr>
+              <a:t> </a:t>
+            </a:r>
+            <a:r>
+              <a:rPr lang="en-US" sz="4400" b="1" dirty="0" smtClean="0">
+                <a:solidFill>
+                  <a:srgbClr val="660033"/>
+                </a:solidFill>
+                <a:latin typeface="Microsoft JhengHei" panose="020B0604030504040204" pitchFamily="34" charset="-120"/>
+                <a:ea typeface="Microsoft JhengHei" panose="020B0604030504040204" pitchFamily="34" charset="-120"/>
+              </a:rPr>
+              <a:t>)</a:t>
+            </a:r>
+            <a:endParaRPr lang="vi-VN" sz="4400" b="1" dirty="0">
+              <a:solidFill>
+                <a:srgbClr val="660033"/>
+              </a:solidFill>
+              <a:ea typeface="Microsoft JhengHei" panose="020B0604030504040204" pitchFamily="34" charset="-120"/>
             </a:endParaRPr>
           </a:p>
         </p:txBody>
@@ -4341,27 +4379,7 @@
                 <a:latin typeface="微軟正黑體" pitchFamily="34" charset="-120"/>
                 <a:ea typeface="微軟正黑體" pitchFamily="34" charset="-120"/>
               </a:rPr>
-              <a:t>在祢面</a:t>
-            </a:r>
-            <a:r>
-              <a:rPr lang="zh-TW" altLang="en-US" sz="6400" b="1" dirty="0">
-                <a:solidFill>
-                  <a:srgbClr val="660033"/>
-                </a:solidFill>
-                <a:latin typeface="微軟正黑體" pitchFamily="34" charset="-120"/>
-                <a:ea typeface="微軟正黑體" pitchFamily="34" charset="-120"/>
-              </a:rPr>
-              <a:t>前有滿足的喜</a:t>
-            </a:r>
-            <a:r>
-              <a:rPr lang="zh-TW" altLang="en-US" sz="6400" b="1" dirty="0">
-                <a:solidFill>
-                  <a:srgbClr val="660033"/>
-                </a:solidFill>
-                <a:latin typeface="微軟正黑體" pitchFamily="34" charset="-120"/>
-                <a:ea typeface="微軟正黑體" pitchFamily="34" charset="-120"/>
-              </a:rPr>
-              <a:t>樂</a:t>
+              <a:t>在祢面前有滿足的喜樂</a:t>
             </a:r>
             <a:endParaRPr lang="en-US" altLang="zh-TW" sz="6400" b="1" dirty="0">
               <a:solidFill>
@@ -4383,17 +4401,7 @@
                 <a:latin typeface="微軟正黑體" pitchFamily="34" charset="-120"/>
                 <a:ea typeface="微軟正黑體" pitchFamily="34" charset="-120"/>
               </a:rPr>
-              <a:t>在祢手</a:t>
-            </a:r>
-            <a:r>
-              <a:rPr lang="zh-TW" altLang="en-US" sz="6400" b="1" dirty="0">
-                <a:solidFill>
-                  <a:srgbClr val="660033"/>
-                </a:solidFill>
-                <a:latin typeface="微軟正黑體" pitchFamily="34" charset="-120"/>
-                <a:ea typeface="微軟正黑體" pitchFamily="34" charset="-120"/>
-              </a:rPr>
-              <a:t>中有永遠的福樂</a:t>
+              <a:t>在祢手中有永遠的福樂</a:t>
             </a:r>
             <a:endParaRPr lang="en-US" altLang="zh-TW" sz="6400" b="1" dirty="0">
               <a:solidFill>
@@ -4401,6 +4409,78 @@
               </a:solidFill>
               <a:latin typeface="微軟正黑體" pitchFamily="34" charset="-120"/>
               <a:ea typeface="微軟正黑體" pitchFamily="34" charset="-120"/>
+            </a:endParaRPr>
+          </a:p>
+        </p:txBody>
+      </p:sp>
+      <p:sp>
+        <p:nvSpPr>
+          <p:cNvPr id="3" name="TextBox 2"/>
+          <p:cNvSpPr txBox="1"/>
+          <p:nvPr/>
+        </p:nvSpPr>
+        <p:spPr>
+          <a:xfrm>
+            <a:off x="0" y="5179109"/>
+            <a:ext cx="12192000" cy="769441"/>
+          </a:xfrm>
+          <a:prstGeom prst="rect">
+            <a:avLst/>
+          </a:prstGeom>
+          <a:noFill/>
+        </p:spPr>
+        <p:txBody>
+          <a:bodyPr wrap="square" rtlCol="0">
+            <a:spAutoFit/>
+          </a:bodyPr>
+          <a:lstStyle/>
+          <a:p>
+            <a:pPr algn="ctr"/>
+            <a:r>
+              <a:rPr lang="en-US" sz="4400" b="1" dirty="0" smtClean="0">
+                <a:solidFill>
+                  <a:srgbClr val="660033"/>
+                </a:solidFill>
+                <a:latin typeface="Microsoft JhengHei" panose="020B0604030504040204" pitchFamily="34" charset="-120"/>
+                <a:ea typeface="Microsoft JhengHei" panose="020B0604030504040204" pitchFamily="34" charset="-120"/>
+              </a:rPr>
+              <a:t>( </a:t>
+            </a:r>
+            <a:r>
+              <a:rPr lang="zh-CN" altLang="en-US" sz="4400" b="1" dirty="0" smtClean="0">
+                <a:solidFill>
+                  <a:srgbClr val="660033"/>
+                </a:solidFill>
+                <a:latin typeface="Microsoft JhengHei" panose="020B0604030504040204" pitchFamily="34" charset="-120"/>
+                <a:ea typeface="Microsoft JhengHei" panose="020B0604030504040204" pitchFamily="34" charset="-120"/>
+              </a:rPr>
+              <a:t>副</a:t>
+            </a:r>
+            <a:r>
+              <a:rPr lang="en-US" sz="4400" b="1" dirty="0" smtClean="0">
+                <a:solidFill>
+                  <a:srgbClr val="660033"/>
+                </a:solidFill>
+                <a:latin typeface="Microsoft JhengHei" panose="020B0604030504040204" pitchFamily="34" charset="-120"/>
+                <a:ea typeface="Microsoft JhengHei" panose="020B0604030504040204" pitchFamily="34" charset="-120"/>
+              </a:rPr>
+              <a:t> </a:t>
+            </a:r>
+            <a:r>
+              <a:rPr lang="en-US" sz="4400" b="1" dirty="0" smtClean="0">
+                <a:solidFill>
+                  <a:srgbClr val="660033"/>
+                </a:solidFill>
+                <a:latin typeface="Microsoft JhengHei" panose="020B0604030504040204" pitchFamily="34" charset="-120"/>
+                <a:ea typeface="Microsoft JhengHei" panose="020B0604030504040204" pitchFamily="34" charset="-120"/>
+              </a:rPr>
+              <a:t>)</a:t>
+            </a:r>
+            <a:endParaRPr lang="vi-VN" sz="4400" b="1" dirty="0">
+              <a:solidFill>
+                <a:srgbClr val="660033"/>
+              </a:solidFill>
+              <a:ea typeface="Microsoft JhengHei" panose="020B0604030504040204" pitchFamily="34" charset="-120"/>
             </a:endParaRPr>
           </a:p>
         </p:txBody>
